--- a/I2P.pptx
+++ b/I2P.pptx
@@ -7,6 +7,7 @@
   <p:sldIdLst>
     <p:sldId id="256" r:id="rId2"/>
     <p:sldId id="257" r:id="rId3"/>
+    <p:sldId id="258" r:id="rId4"/>
   </p:sldIdLst>
   <p:sldSz cx="12192000" cy="6858000"/>
   <p:notesSz cx="6858000" cy="9144000"/>
@@ -305,7 +306,7 @@
             <a:fld id="{B61BEF0D-F0BB-DE4B-95CE-6DB70DBA9567}" type="datetimeFigureOut">
               <a:rPr lang="en-US" dirty="0"/>
               <a:pPr/>
-              <a:t>12/31/2019</a:t>
+              <a:t>1/10/2020</a:t>
             </a:fld>
             <a:endParaRPr lang="en-US" dirty="0"/>
           </a:p>
@@ -738,7 +739,7 @@
             <a:fld id="{B61BEF0D-F0BB-DE4B-95CE-6DB70DBA9567}" type="datetimeFigureOut">
               <a:rPr lang="en-US" dirty="0"/>
               <a:pPr/>
-              <a:t>12/31/2019</a:t>
+              <a:t>1/10/2020</a:t>
             </a:fld>
             <a:endParaRPr lang="en-US" dirty="0"/>
           </a:p>
@@ -985,7 +986,7 @@
             <a:fld id="{B61BEF0D-F0BB-DE4B-95CE-6DB70DBA9567}" type="datetimeFigureOut">
               <a:rPr lang="en-US" dirty="0"/>
               <a:pPr/>
-              <a:t>12/31/2019</a:t>
+              <a:t>1/10/2020</a:t>
             </a:fld>
             <a:endParaRPr lang="en-US" dirty="0"/>
           </a:p>
@@ -1290,7 +1291,7 @@
             <a:fld id="{B61BEF0D-F0BB-DE4B-95CE-6DB70DBA9567}" type="datetimeFigureOut">
               <a:rPr lang="en-US" dirty="0"/>
               <a:pPr/>
-              <a:t>12/31/2019</a:t>
+              <a:t>1/10/2020</a:t>
             </a:fld>
             <a:endParaRPr lang="en-US" dirty="0"/>
           </a:p>
@@ -1605,7 +1606,7 @@
             <a:fld id="{B61BEF0D-F0BB-DE4B-95CE-6DB70DBA9567}" type="datetimeFigureOut">
               <a:rPr lang="en-US" dirty="0"/>
               <a:pPr/>
-              <a:t>12/31/2019</a:t>
+              <a:t>1/10/2020</a:t>
             </a:fld>
             <a:endParaRPr lang="en-US" dirty="0"/>
           </a:p>
@@ -1904,7 +1905,7 @@
             <a:fld id="{B61BEF0D-F0BB-DE4B-95CE-6DB70DBA9567}" type="datetimeFigureOut">
               <a:rPr lang="en-US" dirty="0"/>
               <a:pPr/>
-              <a:t>12/31/2019</a:t>
+              <a:t>1/10/2020</a:t>
             </a:fld>
             <a:endParaRPr lang="en-US" dirty="0"/>
           </a:p>
@@ -2268,7 +2269,7 @@
             <a:fld id="{B61BEF0D-F0BB-DE4B-95CE-6DB70DBA9567}" type="datetimeFigureOut">
               <a:rPr lang="en-US" dirty="0"/>
               <a:pPr/>
-              <a:t>12/31/2019</a:t>
+              <a:t>1/10/2020</a:t>
             </a:fld>
             <a:endParaRPr lang="en-US" dirty="0"/>
           </a:p>
@@ -2439,7 +2440,7 @@
             <a:fld id="{B61BEF0D-F0BB-DE4B-95CE-6DB70DBA9567}" type="datetimeFigureOut">
               <a:rPr lang="en-US" dirty="0"/>
               <a:pPr/>
-              <a:t>12/31/2019</a:t>
+              <a:t>1/10/2020</a:t>
             </a:fld>
             <a:endParaRPr lang="en-US" dirty="0"/>
           </a:p>
@@ -2616,7 +2617,7 @@
             <a:fld id="{B61BEF0D-F0BB-DE4B-95CE-6DB70DBA9567}" type="datetimeFigureOut">
               <a:rPr lang="en-US" dirty="0"/>
               <a:pPr/>
-              <a:t>12/31/2019</a:t>
+              <a:t>1/10/2020</a:t>
             </a:fld>
             <a:endParaRPr lang="en-US" dirty="0"/>
           </a:p>
@@ -2783,7 +2784,7 @@
             <a:fld id="{B61BEF0D-F0BB-DE4B-95CE-6DB70DBA9567}" type="datetimeFigureOut">
               <a:rPr lang="en-US" dirty="0"/>
               <a:pPr/>
-              <a:t>12/31/2019</a:t>
+              <a:t>1/10/2020</a:t>
             </a:fld>
             <a:endParaRPr lang="en-US" dirty="0"/>
           </a:p>
@@ -3030,7 +3031,7 @@
             <a:fld id="{B61BEF0D-F0BB-DE4B-95CE-6DB70DBA9567}" type="datetimeFigureOut">
               <a:rPr lang="en-US" dirty="0"/>
               <a:pPr/>
-              <a:t>12/31/2019</a:t>
+              <a:t>1/10/2020</a:t>
             </a:fld>
             <a:endParaRPr lang="en-US" dirty="0"/>
           </a:p>
@@ -3263,7 +3264,7 @@
             <a:fld id="{B61BEF0D-F0BB-DE4B-95CE-6DB70DBA9567}" type="datetimeFigureOut">
               <a:rPr lang="en-US" dirty="0"/>
               <a:pPr/>
-              <a:t>12/31/2019</a:t>
+              <a:t>1/10/2020</a:t>
             </a:fld>
             <a:endParaRPr lang="en-US" dirty="0"/>
           </a:p>
@@ -3642,7 +3643,7 @@
             <a:fld id="{B61BEF0D-F0BB-DE4B-95CE-6DB70DBA9567}" type="datetimeFigureOut">
               <a:rPr lang="en-US" dirty="0"/>
               <a:pPr/>
-              <a:t>12/31/2019</a:t>
+              <a:t>1/10/2020</a:t>
             </a:fld>
             <a:endParaRPr lang="en-US" dirty="0"/>
           </a:p>
@@ -3757,7 +3758,7 @@
             <a:fld id="{B61BEF0D-F0BB-DE4B-95CE-6DB70DBA9567}" type="datetimeFigureOut">
               <a:rPr lang="en-US" dirty="0"/>
               <a:pPr/>
-              <a:t>12/31/2019</a:t>
+              <a:t>1/10/2020</a:t>
             </a:fld>
             <a:endParaRPr lang="en-US" dirty="0"/>
           </a:p>
@@ -3849,7 +3850,7 @@
             <a:fld id="{B61BEF0D-F0BB-DE4B-95CE-6DB70DBA9567}" type="datetimeFigureOut">
               <a:rPr lang="en-US" dirty="0"/>
               <a:pPr/>
-              <a:t>12/31/2019</a:t>
+              <a:t>1/10/2020</a:t>
             </a:fld>
             <a:endParaRPr lang="en-US" dirty="0"/>
           </a:p>
@@ -4101,7 +4102,7 @@
             <a:fld id="{B61BEF0D-F0BB-DE4B-95CE-6DB70DBA9567}" type="datetimeFigureOut">
               <a:rPr lang="en-US" dirty="0"/>
               <a:pPr/>
-              <a:t>12/31/2019</a:t>
+              <a:t>1/10/2020</a:t>
             </a:fld>
             <a:endParaRPr lang="en-US" dirty="0"/>
           </a:p>
@@ -4381,7 +4382,7 @@
             <a:fld id="{B61BEF0D-F0BB-DE4B-95CE-6DB70DBA9567}" type="datetimeFigureOut">
               <a:rPr lang="en-US" dirty="0"/>
               <a:pPr/>
-              <a:t>12/31/2019</a:t>
+              <a:t>1/10/2020</a:t>
             </a:fld>
             <a:endParaRPr lang="en-US" dirty="0"/>
           </a:p>
@@ -4784,7 +4785,7 @@
             <a:fld id="{B61BEF0D-F0BB-DE4B-95CE-6DB70DBA9567}" type="datetimeFigureOut">
               <a:rPr lang="en-US" dirty="0"/>
               <a:pPr/>
-              <a:t>12/31/2019</a:t>
+              <a:t>1/10/2020</a:t>
             </a:fld>
             <a:endParaRPr lang="en-US" dirty="0"/>
           </a:p>
@@ -5701,6 +5702,194 @@
 </p:sld>
 </file>
 
+<file path=ppt/slides/slide3.xml><?xml version="1.0" encoding="utf-8"?>
+<p:sld xmlns:a="http://schemas.openxmlformats.org/drawingml/2006/main" xmlns:r="http://schemas.openxmlformats.org/officeDocument/2006/relationships" xmlns:p="http://schemas.openxmlformats.org/presentationml/2006/main">
+  <p:cSld>
+    <p:spTree>
+      <p:nvGrpSpPr>
+        <p:cNvPr id="1" name=""/>
+        <p:cNvGrpSpPr/>
+        <p:nvPr/>
+      </p:nvGrpSpPr>
+      <p:grpSpPr>
+        <a:xfrm>
+          <a:off x="0" y="0"/>
+          <a:ext cx="0" cy="0"/>
+          <a:chOff x="0" y="0"/>
+          <a:chExt cx="0" cy="0"/>
+        </a:xfrm>
+      </p:grpSpPr>
+      <p:sp>
+        <p:nvSpPr>
+          <p:cNvPr id="2" name="Título 1"/>
+          <p:cNvSpPr>
+            <a:spLocks noGrp="1"/>
+          </p:cNvSpPr>
+          <p:nvPr>
+            <p:ph type="title"/>
+          </p:nvPr>
+        </p:nvSpPr>
+        <p:spPr>
+          <a:xfrm>
+            <a:off x="510041" y="470263"/>
+            <a:ext cx="8534400" cy="1507067"/>
+          </a:xfrm>
+        </p:spPr>
+        <p:txBody>
+          <a:bodyPr/>
+          <a:lstStyle/>
+          <a:p>
+            <a:r>
+              <a:rPr lang="es-ES" dirty="0" smtClean="0"/>
+              <a:t>Trabajos relacionados con I2P</a:t>
+            </a:r>
+            <a:endParaRPr lang="es-ES" dirty="0"/>
+          </a:p>
+        </p:txBody>
+      </p:sp>
+      <p:sp>
+        <p:nvSpPr>
+          <p:cNvPr id="3" name="Marcador de contenido 2"/>
+          <p:cNvSpPr>
+            <a:spLocks noGrp="1"/>
+          </p:cNvSpPr>
+          <p:nvPr>
+            <p:ph idx="1"/>
+          </p:nvPr>
+        </p:nvSpPr>
+        <p:spPr>
+          <a:xfrm>
+            <a:off x="510041" y="2488475"/>
+            <a:ext cx="8534400" cy="3615267"/>
+          </a:xfrm>
+        </p:spPr>
+        <p:txBody>
+          <a:bodyPr>
+            <a:normAutofit fontScale="85000" lnSpcReduction="20000"/>
+          </a:bodyPr>
+          <a:lstStyle/>
+          <a:p>
+            <a:r>
+              <a:rPr lang="es-ES" sz="2400" b="1" dirty="0" smtClean="0"/>
+              <a:t>I2PTunnel</a:t>
+            </a:r>
+            <a:endParaRPr lang="es-ES" b="1" dirty="0" smtClean="0"/>
+          </a:p>
+          <a:p>
+            <a:pPr marL="0" indent="0">
+              <a:buNone/>
+            </a:pPr>
+            <a:r>
+              <a:rPr lang="es-ES" dirty="0"/>
+              <a:t>Es una herramienta que permite la comunicación sobre I2P a aplicaciones </a:t>
+            </a:r>
+            <a:r>
+              <a:rPr lang="es-ES" dirty="0" smtClean="0"/>
+              <a:t>TCP/IP</a:t>
+            </a:r>
+          </a:p>
+          <a:p>
+            <a:endParaRPr lang="es-ES" dirty="0"/>
+          </a:p>
+          <a:p>
+            <a:r>
+              <a:rPr lang="es-ES" sz="2400" b="1" dirty="0"/>
+              <a:t>I2PSnark</a:t>
+            </a:r>
+            <a:endParaRPr lang="es-ES" b="1" dirty="0" smtClean="0"/>
+          </a:p>
+          <a:p>
+            <a:pPr marL="0" indent="0">
+              <a:buNone/>
+            </a:pPr>
+            <a:r>
+              <a:rPr lang="es-ES" dirty="0"/>
+              <a:t>Permite conectarnos a redes p2p de forma totalmente </a:t>
+            </a:r>
+            <a:r>
+              <a:rPr lang="es-ES" dirty="0" smtClean="0"/>
+              <a:t>anónima.</a:t>
+            </a:r>
+            <a:endParaRPr lang="es-ES" dirty="0"/>
+          </a:p>
+          <a:p>
+            <a:endParaRPr lang="es-ES" dirty="0" smtClean="0"/>
+          </a:p>
+          <a:p>
+            <a:r>
+              <a:rPr lang="es-ES" sz="2400" b="1" dirty="0" smtClean="0"/>
+              <a:t>Bitmessage.ch</a:t>
+            </a:r>
+          </a:p>
+          <a:p>
+            <a:pPr marL="0" indent="0">
+              <a:buNone/>
+            </a:pPr>
+            <a:r>
+              <a:rPr lang="es-ES" dirty="0" smtClean="0"/>
+              <a:t>Servicio </a:t>
+            </a:r>
+            <a:r>
+              <a:rPr lang="es-ES" dirty="0"/>
+              <a:t>de correo electrónico que permite recibir o enviar bitmessages a </a:t>
+            </a:r>
+            <a:r>
+              <a:rPr lang="es-ES" dirty="0" smtClean="0"/>
+              <a:t>través </a:t>
+            </a:r>
+            <a:r>
+              <a:rPr lang="es-ES" dirty="0"/>
+              <a:t>de I2P, permite enviar correo a </a:t>
+            </a:r>
+            <a:r>
+              <a:rPr lang="es-ES" dirty="0" smtClean="0"/>
+              <a:t>través </a:t>
+            </a:r>
+            <a:r>
+              <a:rPr lang="es-ES" dirty="0"/>
+              <a:t>de </a:t>
+            </a:r>
+            <a:r>
+              <a:rPr lang="es-ES" dirty="0" smtClean="0"/>
+              <a:t>internet ,Tor </a:t>
+            </a:r>
+            <a:r>
+              <a:rPr lang="es-ES" dirty="0"/>
+              <a:t>e I2P y </a:t>
+            </a:r>
+            <a:r>
+              <a:rPr lang="es-ES" dirty="0" smtClean="0"/>
+              <a:t>ofrece </a:t>
+            </a:r>
+            <a:r>
+              <a:rPr lang="es-ES" dirty="0"/>
+              <a:t>webmail,pop3,IMAP y SMTP. </a:t>
+            </a:r>
+          </a:p>
+          <a:p>
+            <a:endParaRPr lang="es-ES" u="sng" dirty="0" smtClean="0"/>
+          </a:p>
+          <a:p>
+            <a:endParaRPr lang="es-ES" dirty="0" smtClean="0"/>
+          </a:p>
+          <a:p>
+            <a:endParaRPr lang="es-ES" dirty="0"/>
+          </a:p>
+        </p:txBody>
+      </p:sp>
+    </p:spTree>
+    <p:extLst>
+      <p:ext uri="{BB962C8B-B14F-4D97-AF65-F5344CB8AC3E}">
+        <p14:creationId xmlns:p14="http://schemas.microsoft.com/office/powerpoint/2010/main" val="1673554638"/>
+      </p:ext>
+    </p:extLst>
+  </p:cSld>
+  <p:clrMapOvr>
+    <a:masterClrMapping/>
+  </p:clrMapOvr>
+</p:sld>
+</file>
+
 <file path=ppt/theme/theme1.xml><?xml version="1.0" encoding="utf-8"?>
 <a:theme xmlns:a="http://schemas.openxmlformats.org/drawingml/2006/main" name="Sector">
   <a:themeElements>

--- a/I2P.pptx
+++ b/I2P.pptx
@@ -306,7 +306,7 @@
             <a:fld id="{B61BEF0D-F0BB-DE4B-95CE-6DB70DBA9567}" type="datetimeFigureOut">
               <a:rPr lang="en-US" dirty="0"/>
               <a:pPr/>
-              <a:t>1/10/2020</a:t>
+              <a:t>1/12/2020</a:t>
             </a:fld>
             <a:endParaRPr lang="en-US" dirty="0"/>
           </a:p>
@@ -739,7 +739,7 @@
             <a:fld id="{B61BEF0D-F0BB-DE4B-95CE-6DB70DBA9567}" type="datetimeFigureOut">
               <a:rPr lang="en-US" dirty="0"/>
               <a:pPr/>
-              <a:t>1/10/2020</a:t>
+              <a:t>1/12/2020</a:t>
             </a:fld>
             <a:endParaRPr lang="en-US" dirty="0"/>
           </a:p>
@@ -986,7 +986,7 @@
             <a:fld id="{B61BEF0D-F0BB-DE4B-95CE-6DB70DBA9567}" type="datetimeFigureOut">
               <a:rPr lang="en-US" dirty="0"/>
               <a:pPr/>
-              <a:t>1/10/2020</a:t>
+              <a:t>1/12/2020</a:t>
             </a:fld>
             <a:endParaRPr lang="en-US" dirty="0"/>
           </a:p>
@@ -1291,7 +1291,7 @@
             <a:fld id="{B61BEF0D-F0BB-DE4B-95CE-6DB70DBA9567}" type="datetimeFigureOut">
               <a:rPr lang="en-US" dirty="0"/>
               <a:pPr/>
-              <a:t>1/10/2020</a:t>
+              <a:t>1/12/2020</a:t>
             </a:fld>
             <a:endParaRPr lang="en-US" dirty="0"/>
           </a:p>
@@ -1606,7 +1606,7 @@
             <a:fld id="{B61BEF0D-F0BB-DE4B-95CE-6DB70DBA9567}" type="datetimeFigureOut">
               <a:rPr lang="en-US" dirty="0"/>
               <a:pPr/>
-              <a:t>1/10/2020</a:t>
+              <a:t>1/12/2020</a:t>
             </a:fld>
             <a:endParaRPr lang="en-US" dirty="0"/>
           </a:p>
@@ -1905,7 +1905,7 @@
             <a:fld id="{B61BEF0D-F0BB-DE4B-95CE-6DB70DBA9567}" type="datetimeFigureOut">
               <a:rPr lang="en-US" dirty="0"/>
               <a:pPr/>
-              <a:t>1/10/2020</a:t>
+              <a:t>1/12/2020</a:t>
             </a:fld>
             <a:endParaRPr lang="en-US" dirty="0"/>
           </a:p>
@@ -2269,7 +2269,7 @@
             <a:fld id="{B61BEF0D-F0BB-DE4B-95CE-6DB70DBA9567}" type="datetimeFigureOut">
               <a:rPr lang="en-US" dirty="0"/>
               <a:pPr/>
-              <a:t>1/10/2020</a:t>
+              <a:t>1/12/2020</a:t>
             </a:fld>
             <a:endParaRPr lang="en-US" dirty="0"/>
           </a:p>
@@ -2440,7 +2440,7 @@
             <a:fld id="{B61BEF0D-F0BB-DE4B-95CE-6DB70DBA9567}" type="datetimeFigureOut">
               <a:rPr lang="en-US" dirty="0"/>
               <a:pPr/>
-              <a:t>1/10/2020</a:t>
+              <a:t>1/12/2020</a:t>
             </a:fld>
             <a:endParaRPr lang="en-US" dirty="0"/>
           </a:p>
@@ -2617,7 +2617,7 @@
             <a:fld id="{B61BEF0D-F0BB-DE4B-95CE-6DB70DBA9567}" type="datetimeFigureOut">
               <a:rPr lang="en-US" dirty="0"/>
               <a:pPr/>
-              <a:t>1/10/2020</a:t>
+              <a:t>1/12/2020</a:t>
             </a:fld>
             <a:endParaRPr lang="en-US" dirty="0"/>
           </a:p>
@@ -2784,7 +2784,7 @@
             <a:fld id="{B61BEF0D-F0BB-DE4B-95CE-6DB70DBA9567}" type="datetimeFigureOut">
               <a:rPr lang="en-US" dirty="0"/>
               <a:pPr/>
-              <a:t>1/10/2020</a:t>
+              <a:t>1/12/2020</a:t>
             </a:fld>
             <a:endParaRPr lang="en-US" dirty="0"/>
           </a:p>
@@ -3031,7 +3031,7 @@
             <a:fld id="{B61BEF0D-F0BB-DE4B-95CE-6DB70DBA9567}" type="datetimeFigureOut">
               <a:rPr lang="en-US" dirty="0"/>
               <a:pPr/>
-              <a:t>1/10/2020</a:t>
+              <a:t>1/12/2020</a:t>
             </a:fld>
             <a:endParaRPr lang="en-US" dirty="0"/>
           </a:p>
@@ -3264,7 +3264,7 @@
             <a:fld id="{B61BEF0D-F0BB-DE4B-95CE-6DB70DBA9567}" type="datetimeFigureOut">
               <a:rPr lang="en-US" dirty="0"/>
               <a:pPr/>
-              <a:t>1/10/2020</a:t>
+              <a:t>1/12/2020</a:t>
             </a:fld>
             <a:endParaRPr lang="en-US" dirty="0"/>
           </a:p>
@@ -3643,7 +3643,7 @@
             <a:fld id="{B61BEF0D-F0BB-DE4B-95CE-6DB70DBA9567}" type="datetimeFigureOut">
               <a:rPr lang="en-US" dirty="0"/>
               <a:pPr/>
-              <a:t>1/10/2020</a:t>
+              <a:t>1/12/2020</a:t>
             </a:fld>
             <a:endParaRPr lang="en-US" dirty="0"/>
           </a:p>
@@ -3758,7 +3758,7 @@
             <a:fld id="{B61BEF0D-F0BB-DE4B-95CE-6DB70DBA9567}" type="datetimeFigureOut">
               <a:rPr lang="en-US" dirty="0"/>
               <a:pPr/>
-              <a:t>1/10/2020</a:t>
+              <a:t>1/12/2020</a:t>
             </a:fld>
             <a:endParaRPr lang="en-US" dirty="0"/>
           </a:p>
@@ -3850,7 +3850,7 @@
             <a:fld id="{B61BEF0D-F0BB-DE4B-95CE-6DB70DBA9567}" type="datetimeFigureOut">
               <a:rPr lang="en-US" dirty="0"/>
               <a:pPr/>
-              <a:t>1/10/2020</a:t>
+              <a:t>1/12/2020</a:t>
             </a:fld>
             <a:endParaRPr lang="en-US" dirty="0"/>
           </a:p>
@@ -4102,7 +4102,7 @@
             <a:fld id="{B61BEF0D-F0BB-DE4B-95CE-6DB70DBA9567}" type="datetimeFigureOut">
               <a:rPr lang="en-US" dirty="0"/>
               <a:pPr/>
-              <a:t>1/10/2020</a:t>
+              <a:t>1/12/2020</a:t>
             </a:fld>
             <a:endParaRPr lang="en-US" dirty="0"/>
           </a:p>
@@ -4382,7 +4382,7 @@
             <a:fld id="{B61BEF0D-F0BB-DE4B-95CE-6DB70DBA9567}" type="datetimeFigureOut">
               <a:rPr lang="en-US" dirty="0"/>
               <a:pPr/>
-              <a:t>1/10/2020</a:t>
+              <a:t>1/12/2020</a:t>
             </a:fld>
             <a:endParaRPr lang="en-US" dirty="0"/>
           </a:p>
@@ -4785,7 +4785,7 @@
             <a:fld id="{B61BEF0D-F0BB-DE4B-95CE-6DB70DBA9567}" type="datetimeFigureOut">
               <a:rPr lang="en-US" dirty="0"/>
               <a:pPr/>
-              <a:t>1/10/2020</a:t>
+              <a:t>1/12/2020</a:t>
             </a:fld>
             <a:endParaRPr lang="en-US" dirty="0"/>
           </a:p>
@@ -5817,9 +5817,10 @@
           </a:p>
           <a:p>
             <a:r>
-              <a:rPr lang="es-ES" sz="2400" b="1" dirty="0" smtClean="0"/>
-              <a:t>Bitmessage.ch</a:t>
-            </a:r>
+              <a:rPr lang="es-ES" sz="2400" b="1"/>
+              <a:t>pybitmessage</a:t>
+            </a:r>
+            <a:endParaRPr lang="es-ES" sz="2400" b="1" dirty="0" smtClean="0"/>
           </a:p>
           <a:p>
             <a:pPr marL="0" indent="0">
